--- a/Git And GitHub.pptx
+++ b/Git And GitHub.pptx
@@ -9,12 +9,13 @@
     <p:sldId id="257" r:id="rId3"/>
     <p:sldId id="259" r:id="rId4"/>
     <p:sldId id="260" r:id="rId5"/>
-    <p:sldId id="262" r:id="rId6"/>
-    <p:sldId id="263" r:id="rId7"/>
-    <p:sldId id="269" r:id="rId8"/>
-    <p:sldId id="267" r:id="rId9"/>
-    <p:sldId id="268" r:id="rId10"/>
-    <p:sldId id="266" r:id="rId11"/>
+    <p:sldId id="270" r:id="rId6"/>
+    <p:sldId id="271" r:id="rId7"/>
+    <p:sldId id="272" r:id="rId8"/>
+    <p:sldId id="273" r:id="rId9"/>
+    <p:sldId id="274" r:id="rId10"/>
+    <p:sldId id="275" r:id="rId11"/>
+    <p:sldId id="266" r:id="rId12"/>
   </p:sldIdLst>
   <p:sldSz cx="12192000" cy="6858000"/>
   <p:notesSz cx="6858000" cy="9144000"/>
@@ -260,7 +261,7 @@
           <a:p>
             <a:fld id="{48A87A34-81AB-432B-8DAE-1953F412C126}" type="datetimeFigureOut">
               <a:rPr lang="en-US" dirty="0"/>
-              <a:t>11/4/2022</a:t>
+              <a:t>11/10/2022</a:t>
             </a:fld>
             <a:endParaRPr lang="en-US" dirty="0"/>
           </a:p>
@@ -466,7 +467,7 @@
           <a:p>
             <a:fld id="{48A87A34-81AB-432B-8DAE-1953F412C126}" type="datetimeFigureOut">
               <a:rPr lang="en-US" dirty="0"/>
-              <a:t>11/4/2022</a:t>
+              <a:t>11/10/2022</a:t>
             </a:fld>
             <a:endParaRPr lang="en-US" dirty="0"/>
           </a:p>
@@ -676,7 +677,7 @@
           <a:p>
             <a:fld id="{48A87A34-81AB-432B-8DAE-1953F412C126}" type="datetimeFigureOut">
               <a:rPr lang="en-US" dirty="0"/>
-              <a:t>11/4/2022</a:t>
+              <a:t>11/10/2022</a:t>
             </a:fld>
             <a:endParaRPr lang="en-US" dirty="0"/>
           </a:p>
@@ -872,7 +873,7 @@
           <a:p>
             <a:fld id="{48A87A34-81AB-432B-8DAE-1953F412C126}" type="datetimeFigureOut">
               <a:rPr lang="en-US" dirty="0"/>
-              <a:t>11/4/2022</a:t>
+              <a:t>11/10/2022</a:t>
             </a:fld>
             <a:endParaRPr lang="en-US" dirty="0"/>
           </a:p>
@@ -1146,7 +1147,7 @@
           <a:p>
             <a:fld id="{48A87A34-81AB-432B-8DAE-1953F412C126}" type="datetimeFigureOut">
               <a:rPr lang="en-US" dirty="0"/>
-              <a:t>11/4/2022</a:t>
+              <a:t>11/10/2022</a:t>
             </a:fld>
             <a:endParaRPr lang="en-US" dirty="0"/>
           </a:p>
@@ -1409,7 +1410,7 @@
           <a:p>
             <a:fld id="{48A87A34-81AB-432B-8DAE-1953F412C126}" type="datetimeFigureOut">
               <a:rPr lang="en-US" dirty="0"/>
-              <a:t>11/4/2022</a:t>
+              <a:t>11/10/2022</a:t>
             </a:fld>
             <a:endParaRPr lang="en-US" dirty="0"/>
           </a:p>
@@ -1820,7 +1821,7 @@
           <a:p>
             <a:fld id="{48A87A34-81AB-432B-8DAE-1953F412C126}" type="datetimeFigureOut">
               <a:rPr lang="en-US" dirty="0"/>
-              <a:t>11/4/2022</a:t>
+              <a:t>11/10/2022</a:t>
             </a:fld>
             <a:endParaRPr lang="en-US" dirty="0"/>
           </a:p>
@@ -1964,7 +1965,7 @@
           <a:p>
             <a:fld id="{48A87A34-81AB-432B-8DAE-1953F412C126}" type="datetimeFigureOut">
               <a:rPr lang="en-US" dirty="0"/>
-              <a:t>11/4/2022</a:t>
+              <a:t>11/10/2022</a:t>
             </a:fld>
             <a:endParaRPr lang="en-US" dirty="0"/>
           </a:p>
@@ -2085,7 +2086,7 @@
           <a:p>
             <a:fld id="{48A87A34-81AB-432B-8DAE-1953F412C126}" type="datetimeFigureOut">
               <a:rPr lang="en-US" dirty="0"/>
-              <a:t>11/4/2022</a:t>
+              <a:t>11/10/2022</a:t>
             </a:fld>
             <a:endParaRPr lang="en-US" dirty="0"/>
           </a:p>
@@ -2331,7 +2332,7 @@
           <a:p>
             <a:fld id="{48A87A34-81AB-432B-8DAE-1953F412C126}" type="datetimeFigureOut">
               <a:rPr lang="en-US" dirty="0"/>
-              <a:t>11/4/2022</a:t>
+              <a:t>11/10/2022</a:t>
             </a:fld>
             <a:endParaRPr lang="en-US" dirty="0"/>
           </a:p>
@@ -2772,7 +2773,7 @@
             <a:fld id="{48A87A34-81AB-432B-8DAE-1953F412C126}" type="datetimeFigureOut">
               <a:rPr lang="en-US" dirty="0"/>
               <a:pPr/>
-              <a:t>11/4/2022</a:t>
+              <a:t>11/10/2022</a:t>
             </a:fld>
             <a:endParaRPr lang="en-US" dirty="0"/>
           </a:p>
@@ -3095,7 +3096,7 @@
             <a:fld id="{48A87A34-81AB-432B-8DAE-1953F412C126}" type="datetimeFigureOut">
               <a:rPr lang="en-US" dirty="0"/>
               <a:pPr/>
-              <a:t>11/4/2022</a:t>
+              <a:t>11/10/2022</a:t>
             </a:fld>
             <a:endParaRPr lang="en-US" dirty="0"/>
           </a:p>
@@ -3594,7 +3595,7 @@
           <a:p>
             <a:r>
               <a:rPr lang="en-US" dirty="0"/>
-              <a:t>Git And GitHub</a:t>
+              <a:t>Linux</a:t>
             </a:r>
           </a:p>
         </p:txBody>
@@ -3650,6 +3651,166 @@
 </file>
 
 <file path=ppt/slides/slide10.xml><?xml version="1.0" encoding="utf-8"?>
+<p:sld xmlns:a="http://schemas.openxmlformats.org/drawingml/2006/main" xmlns:r="http://schemas.openxmlformats.org/officeDocument/2006/relationships" xmlns:p="http://schemas.openxmlformats.org/presentationml/2006/main">
+  <p:cSld>
+    <p:spTree>
+      <p:nvGrpSpPr>
+        <p:cNvPr id="1" name=""/>
+        <p:cNvGrpSpPr/>
+        <p:nvPr/>
+      </p:nvGrpSpPr>
+      <p:grpSpPr>
+        <a:xfrm>
+          <a:off x="0" y="0"/>
+          <a:ext cx="0" cy="0"/>
+          <a:chOff x="0" y="0"/>
+          <a:chExt cx="0" cy="0"/>
+        </a:xfrm>
+      </p:grpSpPr>
+      <p:sp>
+        <p:nvSpPr>
+          <p:cNvPr id="2" name="Title 1">
+            <a:extLst>
+              <a:ext uri="{FF2B5EF4-FFF2-40B4-BE49-F238E27FC236}">
+                <a16:creationId xmlns:a16="http://schemas.microsoft.com/office/drawing/2014/main" id="{E205E064-5403-095D-88CF-4DE96AE719FF}"/>
+              </a:ext>
+            </a:extLst>
+          </p:cNvPr>
+          <p:cNvSpPr>
+            <a:spLocks noGrp="1"/>
+          </p:cNvSpPr>
+          <p:nvPr>
+            <p:ph type="title"/>
+          </p:nvPr>
+        </p:nvSpPr>
+        <p:spPr/>
+        <p:txBody>
+          <a:bodyPr/>
+          <a:lstStyle/>
+          <a:p>
+            <a:r>
+              <a:rPr lang="en-IN" dirty="0"/>
+              <a:t>Partition commands</a:t>
+            </a:r>
+          </a:p>
+        </p:txBody>
+      </p:sp>
+      <p:sp>
+        <p:nvSpPr>
+          <p:cNvPr id="3" name="Content Placeholder 2">
+            <a:extLst>
+              <a:ext uri="{FF2B5EF4-FFF2-40B4-BE49-F238E27FC236}">
+                <a16:creationId xmlns:a16="http://schemas.microsoft.com/office/drawing/2014/main" id="{9C83A13F-C9CF-1BCA-21F5-24ACAEF9B245}"/>
+              </a:ext>
+            </a:extLst>
+          </p:cNvPr>
+          <p:cNvSpPr>
+            <a:spLocks noGrp="1"/>
+          </p:cNvSpPr>
+          <p:nvPr>
+            <p:ph idx="1"/>
+          </p:nvPr>
+        </p:nvSpPr>
+        <p:spPr/>
+        <p:txBody>
+          <a:bodyPr/>
+          <a:lstStyle/>
+          <a:p>
+            <a:r>
+              <a:rPr lang="en-IN" dirty="0"/>
+              <a:t>$</a:t>
+            </a:r>
+            <a:r>
+              <a:rPr lang="en-IN" dirty="0" err="1"/>
+              <a:t>lsblk</a:t>
+            </a:r>
+            <a:endParaRPr lang="en-IN" dirty="0"/>
+          </a:p>
+          <a:p>
+            <a:r>
+              <a:rPr lang="en-IN" dirty="0"/>
+              <a:t>$</a:t>
+            </a:r>
+            <a:r>
+              <a:rPr lang="en-IN" dirty="0" err="1"/>
+              <a:t>fdisk</a:t>
+            </a:r>
+            <a:r>
+              <a:rPr lang="en-IN" dirty="0"/>
+              <a:t> –l /dev/</a:t>
+            </a:r>
+            <a:r>
+              <a:rPr lang="en-IN" dirty="0" err="1"/>
+              <a:t>xvdf</a:t>
+            </a:r>
+            <a:endParaRPr lang="en-IN" dirty="0"/>
+          </a:p>
+          <a:p>
+            <a:r>
+              <a:rPr lang="en-IN" dirty="0"/>
+              <a:t>$</a:t>
+            </a:r>
+            <a:r>
+              <a:rPr lang="en-IN" dirty="0" err="1"/>
+              <a:t>fdisk</a:t>
+            </a:r>
+            <a:r>
+              <a:rPr lang="en-IN" dirty="0"/>
+              <a:t> /dev/</a:t>
+            </a:r>
+            <a:r>
+              <a:rPr lang="en-IN" dirty="0" err="1"/>
+              <a:t>xvdf</a:t>
+            </a:r>
+            <a:endParaRPr lang="en-IN" dirty="0"/>
+          </a:p>
+          <a:p>
+            <a:r>
+              <a:rPr lang="en-IN" dirty="0"/>
+              <a:t>$ n : add new partition</a:t>
+            </a:r>
+          </a:p>
+          <a:p>
+            <a:r>
+              <a:rPr lang="en-IN" dirty="0"/>
+              <a:t>$d : delete partition</a:t>
+            </a:r>
+          </a:p>
+          <a:p>
+            <a:r>
+              <a:rPr lang="en-IN" dirty="0"/>
+              <a:t>$ p : for primary partition </a:t>
+            </a:r>
+          </a:p>
+          <a:p>
+            <a:r>
+              <a:rPr lang="en-IN" dirty="0"/>
+              <a:t>$e : </a:t>
+            </a:r>
+            <a:r>
+              <a:rPr lang="en-IN"/>
+              <a:t>extended partition</a:t>
+            </a:r>
+          </a:p>
+          <a:p>
+            <a:endParaRPr lang="en-IN" dirty="0"/>
+          </a:p>
+        </p:txBody>
+      </p:sp>
+    </p:spTree>
+    <p:extLst>
+      <p:ext uri="{BB962C8B-B14F-4D97-AF65-F5344CB8AC3E}">
+        <p14:creationId xmlns:p14="http://schemas.microsoft.com/office/powerpoint/2010/main" val="1283706425"/>
+      </p:ext>
+    </p:extLst>
+  </p:cSld>
+  <p:clrMapOvr>
+    <a:masterClrMapping/>
+  </p:clrMapOvr>
+</p:sld>
+</file>
+
+<file path=ppt/slides/slide11.xml><?xml version="1.0" encoding="utf-8"?>
 <p:sld xmlns:a="http://schemas.openxmlformats.org/drawingml/2006/main" xmlns:r="http://schemas.openxmlformats.org/officeDocument/2006/relationships" xmlns:p="http://schemas.openxmlformats.org/presentationml/2006/main">
   <p:cSld>
     <p:spTree>
@@ -3764,19 +3925,17 @@
           <a:bodyPr/>
           <a:lstStyle/>
           <a:p>
-            <a:r>
-              <a:rPr lang="en-US" dirty="0"/>
-              <a:t>What is Git and </a:t>
-            </a:r>
-            <a:r>
-              <a:rPr lang="en-US" dirty="0" err="1"/>
-              <a:t>Github</a:t>
-            </a:r>
-            <a:r>
-              <a:rPr lang="en-US" dirty="0"/>
-              <a:t>?</a:t>
-            </a:r>
-            <a:endParaRPr lang="en-IN" dirty="0"/>
+            <a:pPr algn="l"/>
+            <a:r>
+              <a:rPr lang="en-IN" b="1" i="0" dirty="0">
+                <a:solidFill>
+                  <a:srgbClr val="323232"/>
+                </a:solidFill>
+                <a:effectLst/>
+                <a:latin typeface="Arial" panose="020B0604020202020204" pitchFamily="34" charset="0"/>
+              </a:rPr>
+              <a:t>Linux operating system</a:t>
+            </a:r>
           </a:p>
         </p:txBody>
       </p:sp>
@@ -3802,96 +3961,56 @@
           <a:lstStyle/>
           <a:p>
             <a:r>
-              <a:rPr lang="en-US" b="1" i="0" dirty="0">
+              <a:rPr lang="en-US" b="0" i="0" dirty="0">
                 <a:solidFill>
-                  <a:srgbClr val="5F6368"/>
+                  <a:srgbClr val="666666"/>
                 </a:solidFill>
                 <a:effectLst/>
-                <a:latin typeface="arial" panose="020B0604020202020204" pitchFamily="34" charset="0"/>
+                <a:latin typeface="Arial" panose="020B0604020202020204" pitchFamily="34" charset="0"/>
               </a:rPr>
-              <a:t> Git tool used for source code management</a:t>
-            </a:r>
-          </a:p>
-          <a:p>
-            <a:r>
-              <a:rPr lang="en-US" b="1" i="0" dirty="0">
+              <a:t>Linux is a Unix-like, open source and community-developed operating system (OS) for computers, servers, mainframes, mobile devices and </a:t>
+            </a:r>
+            <a:r>
+              <a:rPr lang="en-US" b="0" i="0" u="sng" dirty="0">
                 <a:solidFill>
-                  <a:srgbClr val="333333"/>
+                  <a:srgbClr val="007CAD"/>
                 </a:solidFill>
                 <a:effectLst/>
-                <a:latin typeface="AmazonEmberLight"/>
+                <a:latin typeface="Arial" panose="020B0604020202020204" pitchFamily="34" charset="0"/>
+                <a:hlinkClick r:id="rId2"/>
               </a:rPr>
-              <a:t>Git stores your source code and its full development history locally in a repository.</a:t>
-            </a:r>
-            <a:endParaRPr lang="en-US" b="1" i="0" dirty="0">
-              <a:solidFill>
-                <a:srgbClr val="5F6368"/>
-              </a:solidFill>
-              <a:effectLst/>
-              <a:latin typeface="arial" panose="020B0604020202020204" pitchFamily="34" charset="0"/>
-            </a:endParaRPr>
-          </a:p>
-          <a:p>
-            <a:r>
-              <a:rPr lang="en-US" b="1" i="0" dirty="0">
+              <a:t>embedded devices</a:t>
+            </a:r>
+            <a:r>
+              <a:rPr lang="en-US" b="0" i="0" dirty="0">
                 <a:solidFill>
-                  <a:srgbClr val="5F6368"/>
+                  <a:srgbClr val="666666"/>
                 </a:solidFill>
                 <a:effectLst/>
-                <a:latin typeface="arial" panose="020B0604020202020204" pitchFamily="34" charset="0"/>
+                <a:latin typeface="Arial" panose="020B0604020202020204" pitchFamily="34" charset="0"/>
               </a:rPr>
-              <a:t>Git is a distributed, open-source version control system (VCS</a:t>
-            </a:r>
-            <a:r>
-              <a:rPr lang="en-US" b="1" i="0" dirty="0">
+              <a:t>. It is supported on almost every major computer platform, including x86, ARM and </a:t>
+            </a:r>
+            <a:r>
+              <a:rPr lang="en-US" b="0" i="0" u="sng" dirty="0">
                 <a:solidFill>
-                  <a:srgbClr val="4D5156"/>
+                  <a:srgbClr val="007CAD"/>
                 </a:solidFill>
                 <a:effectLst/>
-                <a:latin typeface="arial" panose="020B0604020202020204" pitchFamily="34" charset="0"/>
+                <a:latin typeface="Arial" panose="020B0604020202020204" pitchFamily="34" charset="0"/>
+                <a:hlinkClick r:id="rId3"/>
               </a:rPr>
-              <a:t>) that enables you to store code</a:t>
-            </a:r>
-          </a:p>
-          <a:p>
-            <a:r>
-              <a:rPr lang="en-US" b="1" i="0" dirty="0">
+              <a:t>SPARC</a:t>
+            </a:r>
+            <a:r>
+              <a:rPr lang="en-US" b="0" i="0" dirty="0">
                 <a:solidFill>
-                  <a:srgbClr val="333333"/>
+                  <a:srgbClr val="666666"/>
                 </a:solidFill>
                 <a:effectLst/>
-                <a:latin typeface="AmazonEmberLight"/>
+                <a:latin typeface="Arial" panose="020B0604020202020204" pitchFamily="34" charset="0"/>
               </a:rPr>
-              <a:t>It also </a:t>
-            </a:r>
-            <a:r>
-              <a:rPr lang="en-US" b="1" dirty="0">
-                <a:solidFill>
-                  <a:srgbClr val="333333"/>
-                </a:solidFill>
-                <a:latin typeface="AmazonEmberLight"/>
-              </a:rPr>
-              <a:t>helps </a:t>
-            </a:r>
-            <a:r>
-              <a:rPr lang="en-US" b="1" i="0" dirty="0">
-                <a:solidFill>
-                  <a:srgbClr val="333333"/>
-                </a:solidFill>
-                <a:effectLst/>
-                <a:latin typeface="AmazonEmberLight"/>
-              </a:rPr>
-              <a:t>merge code changes, and revert to earlier code version when needed</a:t>
-            </a:r>
-            <a:r>
-              <a:rPr lang="en-US" i="0" dirty="0">
-                <a:solidFill>
-                  <a:srgbClr val="333333"/>
-                </a:solidFill>
-                <a:effectLst/>
-                <a:latin typeface="AmazonEmberLight"/>
-              </a:rPr>
-              <a:t>.</a:t>
+              <a:t>, making it one of the most widely supported operating systems.</a:t>
             </a:r>
             <a:endParaRPr lang="en-IN" dirty="0"/>
           </a:p>
@@ -3943,19 +4062,35 @@
             <p:ph type="title"/>
           </p:nvPr>
         </p:nvSpPr>
-        <p:spPr/>
-        <p:txBody>
-          <a:bodyPr/>
-          <a:lstStyle/>
-          <a:p>
-            <a:r>
-              <a:rPr lang="en-IN" dirty="0"/>
-              <a:t>What is </a:t>
-            </a:r>
-            <a:r>
-              <a:rPr lang="en-IN" dirty="0" err="1"/>
-              <a:t>github</a:t>
-            </a:r>
+        <p:spPr>
+          <a:xfrm>
+            <a:off x="1451578" y="660140"/>
+            <a:ext cx="9603275" cy="1049235"/>
+          </a:xfrm>
+        </p:spPr>
+        <p:txBody>
+          <a:bodyPr/>
+          <a:lstStyle/>
+          <a:p>
+            <a:r>
+              <a:rPr lang="en-IN" b="0" i="0" dirty="0">
+                <a:solidFill>
+                  <a:srgbClr val="610B4B"/>
+                </a:solidFill>
+                <a:effectLst/>
+                <a:latin typeface="erdana"/>
+              </a:rPr>
+              <a:t>Linux Directory Commands</a:t>
+            </a:r>
+            <a:br>
+              <a:rPr lang="en-IN" b="0" i="0" dirty="0">
+                <a:solidFill>
+                  <a:srgbClr val="610B4B"/>
+                </a:solidFill>
+                <a:effectLst/>
+                <a:latin typeface="erdana"/>
+              </a:rPr>
+            </a:br>
             <a:endParaRPr lang="en-IN" dirty="0"/>
           </a:p>
         </p:txBody>
@@ -3980,6 +4115,153 @@
         <p:txBody>
           <a:bodyPr/>
           <a:lstStyle/>
+          <a:p>
+            <a:pPr algn="l"/>
+            <a:r>
+              <a:rPr lang="en-US" b="0" i="0" dirty="0">
+                <a:solidFill>
+                  <a:srgbClr val="000000"/>
+                </a:solidFill>
+                <a:effectLst/>
+                <a:latin typeface="Verdana" panose="020B0604030504040204" pitchFamily="34" charset="0"/>
+              </a:rPr>
+              <a:t>$</a:t>
+            </a:r>
+            <a:r>
+              <a:rPr lang="en-US" b="0" i="0" dirty="0" err="1">
+                <a:solidFill>
+                  <a:srgbClr val="000000"/>
+                </a:solidFill>
+                <a:effectLst/>
+                <a:latin typeface="Verdana" panose="020B0604030504040204" pitchFamily="34" charset="0"/>
+              </a:rPr>
+              <a:t>pwd</a:t>
+            </a:r>
+            <a:endParaRPr lang="en-US" b="0" i="0" dirty="0">
+              <a:solidFill>
+                <a:srgbClr val="000000"/>
+              </a:solidFill>
+              <a:effectLst/>
+              <a:latin typeface="Verdana" panose="020B0604030504040204" pitchFamily="34" charset="0"/>
+            </a:endParaRPr>
+          </a:p>
+          <a:p>
+            <a:pPr algn="l"/>
+            <a:r>
+              <a:rPr lang="en-US" dirty="0">
+                <a:solidFill>
+                  <a:srgbClr val="000000"/>
+                </a:solidFill>
+                <a:latin typeface="Verdana" panose="020B0604030504040204" pitchFamily="34" charset="0"/>
+              </a:rPr>
+              <a:t>$</a:t>
+            </a:r>
+            <a:r>
+              <a:rPr lang="en-US" dirty="0" err="1">
+                <a:solidFill>
+                  <a:srgbClr val="000000"/>
+                </a:solidFill>
+                <a:latin typeface="Verdana" panose="020B0604030504040204" pitchFamily="34" charset="0"/>
+              </a:rPr>
+              <a:t>mkdir</a:t>
+            </a:r>
+            <a:r>
+              <a:rPr lang="en-US" dirty="0">
+                <a:solidFill>
+                  <a:srgbClr val="000000"/>
+                </a:solidFill>
+                <a:latin typeface="Verdana" panose="020B0604030504040204" pitchFamily="34" charset="0"/>
+              </a:rPr>
+              <a:t> name</a:t>
+            </a:r>
+          </a:p>
+          <a:p>
+            <a:pPr algn="l"/>
+            <a:r>
+              <a:rPr lang="en-US" dirty="0">
+                <a:solidFill>
+                  <a:srgbClr val="000000"/>
+                </a:solidFill>
+                <a:latin typeface="Verdana" panose="020B0604030504040204" pitchFamily="34" charset="0"/>
+              </a:rPr>
+              <a:t>$</a:t>
+            </a:r>
+            <a:r>
+              <a:rPr lang="en-US" dirty="0" err="1">
+                <a:solidFill>
+                  <a:srgbClr val="000000"/>
+                </a:solidFill>
+                <a:latin typeface="Verdana" panose="020B0604030504040204" pitchFamily="34" charset="0"/>
+              </a:rPr>
+              <a:t>rmdir</a:t>
+            </a:r>
+            <a:r>
+              <a:rPr lang="en-US" dirty="0">
+                <a:solidFill>
+                  <a:srgbClr val="000000"/>
+                </a:solidFill>
+                <a:latin typeface="Verdana" panose="020B0604030504040204" pitchFamily="34" charset="0"/>
+              </a:rPr>
+              <a:t> name</a:t>
+            </a:r>
+          </a:p>
+          <a:p>
+            <a:pPr algn="l"/>
+            <a:r>
+              <a:rPr lang="en-US" dirty="0">
+                <a:solidFill>
+                  <a:srgbClr val="000000"/>
+                </a:solidFill>
+                <a:latin typeface="Verdana" panose="020B0604030504040204" pitchFamily="34" charset="0"/>
+              </a:rPr>
+              <a:t>$ls</a:t>
+            </a:r>
+          </a:p>
+          <a:p>
+            <a:pPr algn="l"/>
+            <a:r>
+              <a:rPr lang="en-US" dirty="0">
+                <a:solidFill>
+                  <a:srgbClr val="000000"/>
+                </a:solidFill>
+                <a:latin typeface="Verdana" panose="020B0604030504040204" pitchFamily="34" charset="0"/>
+              </a:rPr>
+              <a:t>$ls -l</a:t>
+            </a:r>
+          </a:p>
+          <a:p>
+            <a:pPr algn="l"/>
+            <a:r>
+              <a:rPr lang="en-US" dirty="0">
+                <a:solidFill>
+                  <a:srgbClr val="000000"/>
+                </a:solidFill>
+                <a:latin typeface="Verdana" panose="020B0604030504040204" pitchFamily="34" charset="0"/>
+              </a:rPr>
+              <a:t>$cd</a:t>
+            </a:r>
+          </a:p>
+          <a:p>
+            <a:pPr algn="l"/>
+            <a:r>
+              <a:rPr lang="en-US" dirty="0">
+                <a:solidFill>
+                  <a:srgbClr val="000000"/>
+                </a:solidFill>
+                <a:latin typeface="Verdana" panose="020B0604030504040204" pitchFamily="34" charset="0"/>
+              </a:rPr>
+              <a:t>$touch</a:t>
+            </a:r>
+          </a:p>
+          <a:p>
+            <a:pPr algn="l"/>
+            <a:endParaRPr lang="en-US" dirty="0">
+              <a:solidFill>
+                <a:srgbClr val="000000"/>
+              </a:solidFill>
+              <a:latin typeface="Verdana" panose="020B0604030504040204" pitchFamily="34" charset="0"/>
+            </a:endParaRPr>
+          </a:p>
           <a:p>
             <a:pPr algn="l"/>
             <a:endParaRPr lang="en-US" b="0" i="0" dirty="0">
@@ -3989,79 +4271,6 @@
               <a:effectLst/>
               <a:latin typeface="Verdana" panose="020B0604030504040204" pitchFamily="34" charset="0"/>
             </a:endParaRPr>
-          </a:p>
-          <a:p>
-            <a:r>
-              <a:rPr lang="en-US" b="0" i="0" dirty="0">
-                <a:solidFill>
-                  <a:srgbClr val="2E475D"/>
-                </a:solidFill>
-                <a:effectLst/>
-                <a:latin typeface="Verdana" panose="020B0604030504040204" pitchFamily="34" charset="0"/>
-                <a:ea typeface="Verdana" panose="020B0604030504040204" pitchFamily="34" charset="0"/>
-              </a:rPr>
-              <a:t>today, </a:t>
-            </a:r>
-            <a:r>
-              <a:rPr lang="en-US" b="0" i="0" u="none" strike="noStrike" dirty="0">
-                <a:solidFill>
-                  <a:srgbClr val="0B8484"/>
-                </a:solidFill>
-                <a:effectLst/>
-                <a:latin typeface="Verdana" panose="020B0604030504040204" pitchFamily="34" charset="0"/>
-                <a:ea typeface="Verdana" panose="020B0604030504040204" pitchFamily="34" charset="0"/>
-                <a:hlinkClick r:id="rId2"/>
-              </a:rPr>
-              <a:t>GitHub</a:t>
-            </a:r>
-            <a:r>
-              <a:rPr lang="en-US" b="0" i="0" dirty="0">
-                <a:solidFill>
-                  <a:srgbClr val="2E475D"/>
-                </a:solidFill>
-                <a:effectLst/>
-                <a:latin typeface="Verdana" panose="020B0604030504040204" pitchFamily="34" charset="0"/>
-                <a:ea typeface="Verdana" panose="020B0604030504040204" pitchFamily="34" charset="0"/>
-              </a:rPr>
-              <a:t> is one of the most popular resources for developers to share code and work on projects together. It’s free, easy to use, and has become central in the movement toward open-source software</a:t>
-            </a:r>
-            <a:r>
-              <a:rPr lang="en-US" b="0" i="0" dirty="0">
-                <a:solidFill>
-                  <a:srgbClr val="2E475D"/>
-                </a:solidFill>
-                <a:effectLst/>
-                <a:latin typeface="Lexend Deca"/>
-              </a:rPr>
-              <a:t>.</a:t>
-            </a:r>
-          </a:p>
-          <a:p>
-            <a:pPr algn="l"/>
-            <a:r>
-              <a:rPr lang="en-US" b="0" i="0" dirty="0">
-                <a:solidFill>
-                  <a:srgbClr val="000000"/>
-                </a:solidFill>
-                <a:effectLst/>
-                <a:latin typeface="Verdana" panose="020B0604030504040204" pitchFamily="34" charset="0"/>
-              </a:rPr>
-              <a:t>GitHub is a code hosting platform for collaboration and version control.</a:t>
-            </a:r>
-          </a:p>
-          <a:p>
-            <a:pPr algn="l"/>
-            <a:r>
-              <a:rPr lang="en-US" b="0" i="0" dirty="0">
-                <a:solidFill>
-                  <a:srgbClr val="000000"/>
-                </a:solidFill>
-                <a:effectLst/>
-                <a:latin typeface="Verdana" panose="020B0604030504040204" pitchFamily="34" charset="0"/>
-              </a:rPr>
-              <a:t>GitHub lets you (and others) work together on projects</a:t>
-            </a:r>
-            <a:endParaRPr lang="en-IN" dirty="0"/>
           </a:p>
         </p:txBody>
       </p:sp>
@@ -4118,60 +4327,65 @@
           <a:p>
             <a:r>
               <a:rPr lang="en-IN" dirty="0"/>
-              <a:t>Git working</a:t>
-            </a:r>
-          </a:p>
-        </p:txBody>
-      </p:sp>
-      <p:pic>
-        <p:nvPicPr>
-          <p:cNvPr id="1026" name="Picture 2" descr="Git Architechture - Git Tutorial - Edureka">
+              <a:t>Linux commands</a:t>
+            </a:r>
+          </a:p>
+        </p:txBody>
+      </p:sp>
+      <p:sp>
+        <p:nvSpPr>
+          <p:cNvPr id="3" name="Content Placeholder 2">
             <a:extLst>
               <a:ext uri="{FF2B5EF4-FFF2-40B4-BE49-F238E27FC236}">
-                <a16:creationId xmlns:a16="http://schemas.microsoft.com/office/drawing/2014/main" id="{ADA0AB88-9642-4572-18ED-16B8439EF03B}"/>
+                <a16:creationId xmlns:a16="http://schemas.microsoft.com/office/drawing/2014/main" id="{B39324EB-8660-57B8-980D-2FFEBA5C9A93}"/>
               </a:ext>
             </a:extLst>
           </p:cNvPr>
-          <p:cNvPicPr>
-            <a:picLocks noGrp="1" noChangeAspect="1" noChangeArrowheads="1"/>
-          </p:cNvPicPr>
+          <p:cNvSpPr>
+            <a:spLocks noGrp="1"/>
+          </p:cNvSpPr>
           <p:nvPr>
             <p:ph idx="1"/>
           </p:nvPr>
-        </p:nvPicPr>
-        <p:blipFill>
-          <a:blip r:embed="rId2">
-            <a:extLst>
-              <a:ext uri="{28A0092B-C50C-407E-A947-70E740481C1C}">
-                <a14:useLocalDpi xmlns:a14="http://schemas.microsoft.com/office/drawing/2010/main" val="0"/>
-              </a:ext>
-            </a:extLst>
-          </a:blip>
-          <a:srcRect/>
-          <a:stretch>
-            <a:fillRect/>
-          </a:stretch>
-        </p:blipFill>
-        <p:spPr bwMode="auto">
-          <a:xfrm>
-            <a:off x="4413500" y="2016125"/>
-            <a:ext cx="3679324" cy="3449638"/>
-          </a:xfrm>
-          <a:prstGeom prst="rect">
-            <a:avLst/>
-          </a:prstGeom>
-          <a:noFill/>
-          <a:extLst>
-            <a:ext uri="{909E8E84-426E-40DD-AFC4-6F175D3DCCD1}">
-              <a14:hiddenFill xmlns:a14="http://schemas.microsoft.com/office/drawing/2010/main">
-                <a:solidFill>
-                  <a:srgbClr val="FFFFFF"/>
-                </a:solidFill>
-              </a14:hiddenFill>
-            </a:ext>
-          </a:extLst>
-        </p:spPr>
-      </p:pic>
+        </p:nvSpPr>
+        <p:spPr/>
+        <p:txBody>
+          <a:bodyPr>
+            <a:normAutofit/>
+          </a:bodyPr>
+          <a:lstStyle/>
+          <a:p>
+            <a:r>
+              <a:rPr lang="en-IN" sz="2400" dirty="0"/>
+              <a:t>$cat filename</a:t>
+            </a:r>
+          </a:p>
+          <a:p>
+            <a:r>
+              <a:rPr lang="en-IN" sz="2400" dirty="0"/>
+              <a:t>$cat &gt; filename</a:t>
+            </a:r>
+          </a:p>
+          <a:p>
+            <a:r>
+              <a:rPr lang="en-IN" sz="2400" dirty="0"/>
+              <a:t>$head filename</a:t>
+            </a:r>
+          </a:p>
+          <a:p>
+            <a:r>
+              <a:rPr lang="en-IN" sz="2400" dirty="0"/>
+              <a:t>$tail filename</a:t>
+            </a:r>
+          </a:p>
+          <a:p>
+            <a:r>
+              <a:rPr lang="en-IN" sz="2400" dirty="0"/>
+              <a:t>$tac filename</a:t>
+            </a:r>
+          </a:p>
+        </p:txBody>
+      </p:sp>
     </p:spTree>
     <p:extLst>
       <p:ext uri="{BB962C8B-B14F-4D97-AF65-F5344CB8AC3E}">
@@ -4207,7 +4421,7 @@
           <p:cNvPr id="2" name="Title 1">
             <a:extLst>
               <a:ext uri="{FF2B5EF4-FFF2-40B4-BE49-F238E27FC236}">
-                <a16:creationId xmlns:a16="http://schemas.microsoft.com/office/drawing/2014/main" id="{43F7AA80-4BDB-9041-384F-2E48692A2B58}"/>
+                <a16:creationId xmlns:a16="http://schemas.microsoft.com/office/drawing/2014/main" id="{F17E35CD-BD6B-81A5-4171-E429B97299A9}"/>
               </a:ext>
             </a:extLst>
           </p:cNvPr>
@@ -4224,252 +4438,102 @@
           <a:lstStyle/>
           <a:p>
             <a:r>
-              <a:rPr lang="en-IN" dirty="0" err="1"/>
-              <a:t>commmands</a:t>
-            </a:r>
-            <a:endParaRPr lang="en-IN" dirty="0"/>
-          </a:p>
-        </p:txBody>
-      </p:sp>
-      <p:sp>
-        <p:nvSpPr>
-          <p:cNvPr id="4" name="TextBox 3">
+              <a:rPr lang="en-IN" dirty="0"/>
+              <a:t>commands</a:t>
+            </a:r>
+          </a:p>
+        </p:txBody>
+      </p:sp>
+      <p:sp>
+        <p:nvSpPr>
+          <p:cNvPr id="3" name="Content Placeholder 2">
             <a:extLst>
               <a:ext uri="{FF2B5EF4-FFF2-40B4-BE49-F238E27FC236}">
-                <a16:creationId xmlns:a16="http://schemas.microsoft.com/office/drawing/2014/main" id="{9028E89D-5D7D-AC6E-9695-50ED61EB4094}"/>
+                <a16:creationId xmlns:a16="http://schemas.microsoft.com/office/drawing/2014/main" id="{ECCB8FE1-08A0-895B-0048-282E5992C853}"/>
               </a:ext>
             </a:extLst>
           </p:cNvPr>
-          <p:cNvSpPr txBox="1"/>
-          <p:nvPr/>
-        </p:nvSpPr>
-        <p:spPr>
-          <a:xfrm>
-            <a:off x="1529395" y="2271267"/>
-            <a:ext cx="6101394" cy="369332"/>
-          </a:xfrm>
-          <a:prstGeom prst="rect">
-            <a:avLst/>
-          </a:prstGeom>
-          <a:noFill/>
-        </p:spPr>
-        <p:txBody>
-          <a:bodyPr wrap="square">
-            <a:spAutoFit/>
-          </a:bodyPr>
-          <a:lstStyle/>
-          <a:p>
-            <a:r>
-              <a:rPr lang="en-IN" dirty="0"/>
-              <a:t>$ git --version</a:t>
-            </a:r>
-          </a:p>
-        </p:txBody>
-      </p:sp>
-      <p:sp>
-        <p:nvSpPr>
-          <p:cNvPr id="6" name="TextBox 5">
-            <a:extLst>
-              <a:ext uri="{FF2B5EF4-FFF2-40B4-BE49-F238E27FC236}">
-                <a16:creationId xmlns:a16="http://schemas.microsoft.com/office/drawing/2014/main" id="{4FE47DE1-C56B-AD3C-775B-D6A9847E092D}"/>
-              </a:ext>
-            </a:extLst>
-          </p:cNvPr>
-          <p:cNvSpPr txBox="1"/>
-          <p:nvPr/>
-        </p:nvSpPr>
-        <p:spPr>
-          <a:xfrm>
-            <a:off x="1666957" y="3133809"/>
-            <a:ext cx="6101394" cy="1415772"/>
-          </a:xfrm>
-          <a:prstGeom prst="rect">
-            <a:avLst/>
-          </a:prstGeom>
-          <a:noFill/>
-        </p:spPr>
-        <p:txBody>
-          <a:bodyPr wrap="square">
-            <a:spAutoFit/>
-          </a:bodyPr>
-          <a:lstStyle/>
-          <a:p>
-            <a:pPr marL="0" marR="0">
-              <a:spcBef>
-                <a:spcPts val="0"/>
-              </a:spcBef>
-              <a:spcAft>
-                <a:spcPts val="0"/>
-              </a:spcAft>
-            </a:pPr>
-            <a:r>
-              <a:rPr lang="en-IN" sz="1600" dirty="0">
-                <a:effectLst/>
-                <a:latin typeface="Calibri" panose="020F0502020204030204" pitchFamily="34" charset="0"/>
-              </a:rPr>
-              <a:t>$git </a:t>
-            </a:r>
-            <a:r>
-              <a:rPr lang="en-IN" sz="1600" dirty="0" err="1">
-                <a:effectLst/>
-                <a:latin typeface="Calibri" panose="020F0502020204030204" pitchFamily="34" charset="0"/>
-              </a:rPr>
-              <a:t>init</a:t>
-            </a:r>
-            <a:endParaRPr lang="en-IN" sz="1600" dirty="0">
-              <a:effectLst/>
-              <a:latin typeface="Calibri" panose="020F0502020204030204" pitchFamily="34" charset="0"/>
-            </a:endParaRPr>
-          </a:p>
-          <a:p>
-            <a:pPr marL="0" marR="0">
-              <a:spcBef>
-                <a:spcPts val="0"/>
-              </a:spcBef>
-              <a:spcAft>
-                <a:spcPts val="0"/>
-              </a:spcAft>
-            </a:pPr>
-            <a:r>
-              <a:rPr lang="en-IN" sz="1600" dirty="0">
-                <a:effectLst/>
-                <a:latin typeface="Calibri" panose="020F0502020204030204" pitchFamily="34" charset="0"/>
-              </a:rPr>
-              <a:t> </a:t>
-            </a:r>
-          </a:p>
-          <a:p>
-            <a:pPr marL="0" marR="0">
-              <a:spcBef>
-                <a:spcPts val="0"/>
-              </a:spcBef>
-              <a:spcAft>
-                <a:spcPts val="0"/>
-              </a:spcAft>
-            </a:pPr>
-            <a:r>
-              <a:rPr lang="en-IN" sz="1800" dirty="0">
-                <a:effectLst/>
-                <a:latin typeface="Calibri" panose="020F0502020204030204" pitchFamily="34" charset="0"/>
-              </a:rPr>
-              <a:t>$git config --global user.name "</a:t>
-            </a:r>
-            <a:r>
-              <a:rPr lang="en-IN" sz="1800" dirty="0" err="1">
-                <a:effectLst/>
-                <a:latin typeface="Calibri" panose="020F0502020204030204" pitchFamily="34" charset="0"/>
-              </a:rPr>
-              <a:t>VishStrong</a:t>
-            </a:r>
-            <a:r>
-              <a:rPr lang="en-IN" sz="1800" dirty="0">
-                <a:effectLst/>
-                <a:latin typeface="Calibri" panose="020F0502020204030204" pitchFamily="34" charset="0"/>
-              </a:rPr>
-              <a:t>" </a:t>
-            </a:r>
-          </a:p>
-          <a:p>
-            <a:pPr marL="0" marR="0">
-              <a:spcBef>
-                <a:spcPts val="0"/>
-              </a:spcBef>
-              <a:spcAft>
-                <a:spcPts val="0"/>
-              </a:spcAft>
-            </a:pPr>
-            <a:r>
-              <a:rPr lang="en-IN" sz="1800" dirty="0">
-                <a:effectLst/>
-                <a:latin typeface="Calibri" panose="020F0502020204030204" pitchFamily="34" charset="0"/>
-              </a:rPr>
-              <a:t>$git config --global </a:t>
-            </a:r>
-            <a:r>
-              <a:rPr lang="en-IN" sz="1800" dirty="0" err="1">
-                <a:effectLst/>
-                <a:latin typeface="Calibri" panose="020F0502020204030204" pitchFamily="34" charset="0"/>
-              </a:rPr>
-              <a:t>user.Email</a:t>
-            </a:r>
-            <a:r>
-              <a:rPr lang="en-IN" sz="1800" dirty="0">
-                <a:effectLst/>
-                <a:latin typeface="Calibri" panose="020F0502020204030204" pitchFamily="34" charset="0"/>
-              </a:rPr>
-              <a:t> "vishalpimple0001@gmail.com"</a:t>
-            </a:r>
-          </a:p>
-          <a:p>
-            <a:pPr marL="0" marR="0">
-              <a:spcBef>
-                <a:spcPts val="0"/>
-              </a:spcBef>
-              <a:spcAft>
-                <a:spcPts val="0"/>
-              </a:spcAft>
-            </a:pPr>
-            <a:r>
-              <a:rPr lang="en-IN" sz="1800" dirty="0">
-                <a:effectLst/>
-                <a:latin typeface="Calibri" panose="020F0502020204030204" pitchFamily="34" charset="0"/>
-              </a:rPr>
-              <a:t> </a:t>
-            </a:r>
-          </a:p>
-        </p:txBody>
-      </p:sp>
-      <p:sp>
-        <p:nvSpPr>
-          <p:cNvPr id="9" name="TextBox 8">
-            <a:extLst>
-              <a:ext uri="{FF2B5EF4-FFF2-40B4-BE49-F238E27FC236}">
-                <a16:creationId xmlns:a16="http://schemas.microsoft.com/office/drawing/2014/main" id="{D7B20248-7375-7626-2B70-9D5811E8E92F}"/>
-              </a:ext>
-            </a:extLst>
-          </p:cNvPr>
-          <p:cNvSpPr txBox="1"/>
-          <p:nvPr/>
-        </p:nvSpPr>
-        <p:spPr>
-          <a:xfrm>
-            <a:off x="1529395" y="4678549"/>
-            <a:ext cx="6101394" cy="923330"/>
-          </a:xfrm>
-          <a:prstGeom prst="rect">
-            <a:avLst/>
-          </a:prstGeom>
-          <a:noFill/>
-        </p:spPr>
-        <p:txBody>
-          <a:bodyPr wrap="square">
-            <a:spAutoFit/>
-          </a:bodyPr>
-          <a:lstStyle/>
-          <a:p>
-            <a:r>
-              <a:rPr lang="en-IN" sz="1800" dirty="0">
-                <a:effectLst/>
-                <a:latin typeface="Calibri" panose="020F0502020204030204" pitchFamily="34" charset="0"/>
-              </a:rPr>
-              <a:t>$ git remote add  origin  </a:t>
-            </a:r>
-            <a:r>
-              <a:rPr lang="en-IN" sz="1800" dirty="0">
-                <a:effectLst/>
-                <a:latin typeface="Calibri" panose="020F0502020204030204" pitchFamily="34" charset="0"/>
-                <a:hlinkClick r:id="rId2"/>
-              </a:rPr>
-              <a:t>https://github.com/sushmithakongi/Infobell-Openshift-Daily-Work.git</a:t>
-            </a:r>
-            <a:endParaRPr lang="en-IN" dirty="0"/>
+          <p:cNvSpPr>
+            <a:spLocks noGrp="1"/>
+          </p:cNvSpPr>
+          <p:nvPr>
+            <p:ph idx="1"/>
+          </p:nvPr>
+        </p:nvSpPr>
+        <p:spPr/>
+        <p:txBody>
+          <a:bodyPr/>
+          <a:lstStyle/>
+          <a:p>
+            <a:r>
+              <a:rPr lang="en-IN" sz="2400" dirty="0"/>
+              <a:t>$hostname</a:t>
+            </a:r>
+          </a:p>
+          <a:p>
+            <a:r>
+              <a:rPr lang="en-IN" sz="2400" dirty="0"/>
+              <a:t>$</a:t>
+            </a:r>
+            <a:r>
+              <a:rPr lang="en-IN" sz="2400" dirty="0" err="1"/>
+              <a:t>whoami</a:t>
+            </a:r>
+            <a:endParaRPr lang="en-IN" sz="2400" dirty="0"/>
+          </a:p>
+          <a:p>
+            <a:r>
+              <a:rPr lang="en-IN" sz="2400" dirty="0"/>
+              <a:t>$</a:t>
+            </a:r>
+            <a:r>
+              <a:rPr lang="en-IN" sz="2400" dirty="0" err="1"/>
+              <a:t>ip</a:t>
+            </a:r>
+            <a:r>
+              <a:rPr lang="en-IN" sz="2400" dirty="0"/>
+              <a:t> </a:t>
+            </a:r>
+            <a:r>
+              <a:rPr lang="en-IN" sz="2400" dirty="0" err="1"/>
+              <a:t>addr</a:t>
+            </a:r>
+            <a:endParaRPr lang="en-IN" sz="2400" dirty="0"/>
+          </a:p>
+          <a:p>
+            <a:r>
+              <a:rPr lang="en-IN" sz="2400" dirty="0"/>
+              <a:t>$clear</a:t>
+            </a:r>
+          </a:p>
+          <a:p>
+            <a:r>
+              <a:rPr lang="en-IN" sz="2400" dirty="0"/>
+              <a:t>$</a:t>
+            </a:r>
+            <a:r>
+              <a:rPr lang="en-IN" sz="2400" dirty="0" err="1"/>
+              <a:t>cal</a:t>
+            </a:r>
+            <a:endParaRPr lang="en-IN" sz="2400" dirty="0"/>
+          </a:p>
+          <a:p>
+            <a:r>
+              <a:rPr lang="en-IN" sz="2400" dirty="0"/>
+              <a:t>$ls -</a:t>
+            </a:r>
+            <a:r>
+              <a:rPr lang="en-IN" sz="2400" dirty="0" err="1"/>
+              <a:t>ltr</a:t>
+            </a:r>
+            <a:endParaRPr lang="en-IN" sz="2400" dirty="0"/>
           </a:p>
         </p:txBody>
       </p:sp>
     </p:spTree>
     <p:extLst>
       <p:ext uri="{BB962C8B-B14F-4D97-AF65-F5344CB8AC3E}">
-        <p14:creationId xmlns:p14="http://schemas.microsoft.com/office/powerpoint/2010/main" val="221399848"/>
+        <p14:creationId xmlns:p14="http://schemas.microsoft.com/office/powerpoint/2010/main" val="3751705390"/>
       </p:ext>
     </p:extLst>
   </p:cSld>
@@ -4501,7 +4565,7 @@
           <p:cNvPr id="2" name="Title 1">
             <a:extLst>
               <a:ext uri="{FF2B5EF4-FFF2-40B4-BE49-F238E27FC236}">
-                <a16:creationId xmlns:a16="http://schemas.microsoft.com/office/drawing/2014/main" id="{D541E5D4-BF81-4E4C-7AB6-473447258A9A}"/>
+                <a16:creationId xmlns:a16="http://schemas.microsoft.com/office/drawing/2014/main" id="{8E998A52-CAA6-414E-3DA2-69B9F24CD9E4}"/>
               </a:ext>
             </a:extLst>
           </p:cNvPr>
@@ -4519,260 +4583,83 @@
           <a:p>
             <a:r>
               <a:rPr lang="en-IN" dirty="0"/>
-              <a:t>important</a:t>
-            </a:r>
-          </a:p>
-        </p:txBody>
-      </p:sp>
-      <p:sp>
-        <p:nvSpPr>
-          <p:cNvPr id="4" name="TextBox 3">
+              <a:t>Grep command</a:t>
+            </a:r>
+          </a:p>
+        </p:txBody>
+      </p:sp>
+      <p:sp>
+        <p:nvSpPr>
+          <p:cNvPr id="3" name="Content Placeholder 2">
             <a:extLst>
               <a:ext uri="{FF2B5EF4-FFF2-40B4-BE49-F238E27FC236}">
-                <a16:creationId xmlns:a16="http://schemas.microsoft.com/office/drawing/2014/main" id="{D53B0B88-30E0-46FA-432B-01718E7B5089}"/>
+                <a16:creationId xmlns:a16="http://schemas.microsoft.com/office/drawing/2014/main" id="{1A7E5E3D-717B-CD4B-E528-840CD6F19D07}"/>
               </a:ext>
             </a:extLst>
           </p:cNvPr>
-          <p:cNvSpPr txBox="1"/>
-          <p:nvPr/>
-        </p:nvSpPr>
-        <p:spPr>
-          <a:xfrm>
-            <a:off x="1327093" y="2784483"/>
-            <a:ext cx="6101394" cy="1754326"/>
-          </a:xfrm>
-          <a:prstGeom prst="rect">
-            <a:avLst/>
-          </a:prstGeom>
-          <a:noFill/>
-        </p:spPr>
-        <p:txBody>
-          <a:bodyPr wrap="square">
-            <a:spAutoFit/>
+          <p:cNvSpPr>
+            <a:spLocks noGrp="1"/>
+          </p:cNvSpPr>
+          <p:nvPr>
+            <p:ph idx="1"/>
+          </p:nvPr>
+        </p:nvSpPr>
+        <p:spPr/>
+        <p:txBody>
+          <a:bodyPr>
+            <a:normAutofit lnSpcReduction="10000"/>
           </a:bodyPr>
           <a:lstStyle/>
           <a:p>
-            <a:pPr marL="0" marR="0">
-              <a:spcBef>
-                <a:spcPts val="0"/>
-              </a:spcBef>
-              <a:spcAft>
-                <a:spcPts val="0"/>
-              </a:spcAft>
-            </a:pPr>
-            <a:r>
-              <a:rPr lang="en-IN" sz="1800" dirty="0">
-                <a:effectLst/>
-                <a:latin typeface="Calibri" panose="020F0502020204030204" pitchFamily="34" charset="0"/>
-              </a:rPr>
-              <a:t>git pull origin VishalP</a:t>
-            </a:r>
-          </a:p>
-          <a:p>
-            <a:pPr marL="0" marR="0">
-              <a:spcBef>
-                <a:spcPts val="0"/>
-              </a:spcBef>
-              <a:spcAft>
-                <a:spcPts val="0"/>
-              </a:spcAft>
-            </a:pPr>
-            <a:r>
-              <a:rPr lang="en-IN" sz="1800" dirty="0">
-                <a:effectLst/>
-                <a:latin typeface="Calibri" panose="020F0502020204030204" pitchFamily="34" charset="0"/>
-              </a:rPr>
-              <a:t> </a:t>
-            </a:r>
-          </a:p>
-          <a:p>
-            <a:pPr marL="0" marR="0">
-              <a:spcBef>
-                <a:spcPts val="0"/>
-              </a:spcBef>
-              <a:spcAft>
-                <a:spcPts val="0"/>
-              </a:spcAft>
-            </a:pPr>
-            <a:r>
-              <a:rPr lang="en-IN" sz="1800" dirty="0">
-                <a:effectLst/>
-                <a:latin typeface="Calibri" panose="020F0502020204030204" pitchFamily="34" charset="0"/>
-              </a:rPr>
-              <a:t>git branch VishalP</a:t>
-            </a:r>
-          </a:p>
-          <a:p>
-            <a:pPr marL="0" marR="0">
-              <a:spcBef>
-                <a:spcPts val="0"/>
-              </a:spcBef>
-              <a:spcAft>
-                <a:spcPts val="0"/>
-              </a:spcAft>
-            </a:pPr>
-            <a:r>
-              <a:rPr lang="en-IN" sz="1800" dirty="0">
-                <a:effectLst/>
-                <a:latin typeface="Calibri" panose="020F0502020204030204" pitchFamily="34" charset="0"/>
-              </a:rPr>
-              <a:t> </a:t>
-            </a:r>
-          </a:p>
-          <a:p>
-            <a:pPr marL="0" marR="0">
-              <a:spcBef>
-                <a:spcPts val="0"/>
-              </a:spcBef>
-              <a:spcAft>
-                <a:spcPts val="0"/>
-              </a:spcAft>
-            </a:pPr>
-            <a:r>
-              <a:rPr lang="en-IN" sz="1800" dirty="0">
-                <a:effectLst/>
-                <a:latin typeface="Calibri" panose="020F0502020204030204" pitchFamily="34" charset="0"/>
-              </a:rPr>
-              <a:t>git checkout VishalP</a:t>
-            </a:r>
-          </a:p>
-          <a:p>
-            <a:pPr marL="0" marR="0">
-              <a:spcBef>
-                <a:spcPts val="0"/>
-              </a:spcBef>
-              <a:spcAft>
-                <a:spcPts val="0"/>
-              </a:spcAft>
-            </a:pPr>
-            <a:r>
-              <a:rPr lang="en-IN" sz="1800" dirty="0">
-                <a:effectLst/>
-                <a:latin typeface="Calibri" panose="020F0502020204030204" pitchFamily="34" charset="0"/>
-              </a:rPr>
-              <a:t> </a:t>
-            </a:r>
-          </a:p>
-        </p:txBody>
-      </p:sp>
-      <p:sp>
-        <p:nvSpPr>
-          <p:cNvPr id="6" name="TextBox 5">
-            <a:extLst>
-              <a:ext uri="{FF2B5EF4-FFF2-40B4-BE49-F238E27FC236}">
-                <a16:creationId xmlns:a16="http://schemas.microsoft.com/office/drawing/2014/main" id="{853F0182-D8BB-4E98-4855-9CFA33D1E4A7}"/>
-              </a:ext>
-            </a:extLst>
-          </p:cNvPr>
-          <p:cNvSpPr txBox="1"/>
-          <p:nvPr/>
-        </p:nvSpPr>
-        <p:spPr>
-          <a:xfrm>
-            <a:off x="1451579" y="4339088"/>
-            <a:ext cx="6101394" cy="1477328"/>
-          </a:xfrm>
-          <a:prstGeom prst="rect">
-            <a:avLst/>
-          </a:prstGeom>
-          <a:noFill/>
-        </p:spPr>
-        <p:txBody>
-          <a:bodyPr wrap="square">
-            <a:spAutoFit/>
-          </a:bodyPr>
-          <a:lstStyle/>
-          <a:p>
-            <a:pPr marL="0" marR="0">
-              <a:spcBef>
-                <a:spcPts val="0"/>
-              </a:spcBef>
-              <a:spcAft>
-                <a:spcPts val="0"/>
-              </a:spcAft>
-            </a:pPr>
-            <a:r>
-              <a:rPr lang="en-IN" sz="1800" dirty="0">
-                <a:effectLst/>
-                <a:latin typeface="Calibri" panose="020F0502020204030204" pitchFamily="34" charset="0"/>
-              </a:rPr>
-              <a:t>git add .</a:t>
-            </a:r>
-          </a:p>
-          <a:p>
-            <a:pPr marL="0" marR="0">
-              <a:spcBef>
-                <a:spcPts val="0"/>
-              </a:spcBef>
-              <a:spcAft>
-                <a:spcPts val="0"/>
-              </a:spcAft>
-            </a:pPr>
-            <a:r>
-              <a:rPr lang="en-IN" sz="1800" dirty="0">
-                <a:effectLst/>
-                <a:latin typeface="Calibri" panose="020F0502020204030204" pitchFamily="34" charset="0"/>
-              </a:rPr>
-              <a:t> </a:t>
-            </a:r>
-          </a:p>
-          <a:p>
-            <a:pPr marL="0" marR="0">
-              <a:spcBef>
-                <a:spcPts val="0"/>
-              </a:spcBef>
-              <a:spcAft>
-                <a:spcPts val="0"/>
-              </a:spcAft>
-            </a:pPr>
-            <a:r>
-              <a:rPr lang="en-IN" sz="1800" dirty="0">
-                <a:effectLst/>
-                <a:latin typeface="Calibri" panose="020F0502020204030204" pitchFamily="34" charset="0"/>
-              </a:rPr>
-              <a:t>git commit -m "first commit"</a:t>
-            </a:r>
-          </a:p>
-          <a:p>
-            <a:pPr marL="0" marR="0">
-              <a:spcBef>
-                <a:spcPts val="0"/>
-              </a:spcBef>
-              <a:spcAft>
-                <a:spcPts val="0"/>
-              </a:spcAft>
-            </a:pPr>
-            <a:r>
-              <a:rPr lang="en-IN" sz="1800" dirty="0">
-                <a:effectLst/>
-                <a:latin typeface="Calibri" panose="020F0502020204030204" pitchFamily="34" charset="0"/>
-              </a:rPr>
-              <a:t> </a:t>
-            </a:r>
-          </a:p>
-          <a:p>
-            <a:pPr marL="0" marR="0">
-              <a:spcBef>
-                <a:spcPts val="0"/>
-              </a:spcBef>
-              <a:spcAft>
-                <a:spcPts val="0"/>
-              </a:spcAft>
-            </a:pPr>
-            <a:r>
-              <a:rPr lang="en-IN" sz="1800" dirty="0">
-                <a:effectLst/>
-                <a:latin typeface="Calibri" panose="020F0502020204030204" pitchFamily="34" charset="0"/>
-              </a:rPr>
-              <a:t> git push origin VishalP</a:t>
-            </a:r>
+            <a:endParaRPr lang="en-IN" dirty="0"/>
+          </a:p>
+          <a:p>
+            <a:r>
+              <a:rPr lang="en-IN" sz="2400" b="1" dirty="0"/>
+              <a:t>"Global Regular Expression Print"</a:t>
+            </a:r>
+          </a:p>
+          <a:p>
+            <a:r>
+              <a:rPr lang="en-US" dirty="0"/>
+              <a:t>Grep command search for a particular</a:t>
+            </a:r>
+          </a:p>
+          <a:p>
+            <a:r>
+              <a:rPr lang="en-US" dirty="0"/>
+              <a:t>string/keyword from a file and print lines</a:t>
+            </a:r>
+          </a:p>
+          <a:p>
+            <a:r>
+              <a:rPr lang="en-US" dirty="0"/>
+              <a:t>matching a pattern.</a:t>
+            </a:r>
+            <a:endParaRPr lang="en-IN" dirty="0"/>
+          </a:p>
+          <a:p>
+            <a:r>
+              <a:rPr lang="en-US" dirty="0"/>
+              <a:t>It check line by line and print lines matching</a:t>
+            </a:r>
+          </a:p>
+          <a:p>
+            <a:r>
+              <a:rPr lang="en-US" dirty="0"/>
+              <a:t>given pattern.</a:t>
+            </a:r>
+            <a:endParaRPr lang="en-IN" dirty="0"/>
+          </a:p>
+          <a:p>
+            <a:endParaRPr lang="en-IN" dirty="0"/>
           </a:p>
         </p:txBody>
       </p:sp>
     </p:spTree>
     <p:extLst>
       <p:ext uri="{BB962C8B-B14F-4D97-AF65-F5344CB8AC3E}">
-        <p14:creationId xmlns:p14="http://schemas.microsoft.com/office/powerpoint/2010/main" val="2026965745"/>
+        <p14:creationId xmlns:p14="http://schemas.microsoft.com/office/powerpoint/2010/main" val="528217022"/>
       </p:ext>
     </p:extLst>
   </p:cSld>
@@ -4804,7 +4691,7 @@
           <p:cNvPr id="2" name="Title 1">
             <a:extLst>
               <a:ext uri="{FF2B5EF4-FFF2-40B4-BE49-F238E27FC236}">
-                <a16:creationId xmlns:a16="http://schemas.microsoft.com/office/drawing/2014/main" id="{C0BA3120-C965-AE07-08FE-9216D670A4D2}"/>
+                <a16:creationId xmlns:a16="http://schemas.microsoft.com/office/drawing/2014/main" id="{8285E390-AA5B-33A0-8342-E234B1DF4AB6}"/>
               </a:ext>
             </a:extLst>
           </p:cNvPr>
@@ -4820,10 +4707,7 @@
           <a:bodyPr/>
           <a:lstStyle/>
           <a:p>
-            <a:r>
-              <a:rPr lang="en-IN" dirty="0"/>
-              <a:t>commands</a:t>
-            </a:r>
+            <a:endParaRPr lang="en-IN"/>
           </a:p>
         </p:txBody>
       </p:sp>
@@ -4832,7 +4716,7 @@
           <p:cNvPr id="3" name="Content Placeholder 2">
             <a:extLst>
               <a:ext uri="{FF2B5EF4-FFF2-40B4-BE49-F238E27FC236}">
-                <a16:creationId xmlns:a16="http://schemas.microsoft.com/office/drawing/2014/main" id="{8840ED57-B4F0-3A74-5868-28A463C70E95}"/>
+                <a16:creationId xmlns:a16="http://schemas.microsoft.com/office/drawing/2014/main" id="{A90B3C28-ACD1-C356-60A5-090F74FF1F76}"/>
               </a:ext>
             </a:extLst>
           </p:cNvPr>
@@ -4850,50 +4734,39 @@
           <a:p>
             <a:r>
               <a:rPr lang="en-IN" dirty="0"/>
-              <a:t>$git clone </a:t>
+              <a:t>$grep note file2</a:t>
+            </a:r>
+          </a:p>
+          <a:p>
+            <a:r>
+              <a:rPr lang="en-IN" dirty="0"/>
+              <a:t>$grep –</a:t>
             </a:r>
             <a:r>
               <a:rPr lang="en-IN" dirty="0" err="1"/>
-              <a:t>url</a:t>
-            </a:r>
-            <a:endParaRPr lang="en-IN" dirty="0"/>
-          </a:p>
-          <a:p>
+              <a:t>i</a:t>
+            </a:r>
             <a:r>
               <a:rPr lang="en-IN" dirty="0"/>
-              <a:t>$git pull &lt;name&gt;</a:t>
+              <a:t> note file2</a:t>
             </a:r>
           </a:p>
           <a:p>
             <a:r>
               <a:rPr lang="en-IN" dirty="0"/>
-              <a:t>$Git branch</a:t>
+              <a:t>$grep –w note file2</a:t>
             </a:r>
           </a:p>
           <a:p>
             <a:r>
               <a:rPr lang="en-IN" dirty="0"/>
-              <a:t>$Git branch &lt;</a:t>
-            </a:r>
-            <a:r>
-              <a:rPr lang="en-IN" dirty="0" err="1"/>
-              <a:t>branchName</a:t>
-            </a:r>
+              <a:t>$grep –n text file1</a:t>
+            </a:r>
+          </a:p>
+          <a:p>
             <a:r>
               <a:rPr lang="en-IN" dirty="0"/>
-              <a:t>&gt;</a:t>
-            </a:r>
-          </a:p>
-          <a:p>
-            <a:r>
-              <a:rPr lang="en-IN" dirty="0"/>
-              <a:t>$git checkout &lt;branch name&gt;</a:t>
-            </a:r>
-          </a:p>
-          <a:p>
-            <a:r>
-              <a:rPr lang="en-IN" dirty="0"/>
-              <a:t>Git merge &lt;branch name&gt;</a:t>
+              <a:t>$grep –e demo –e text </a:t>
             </a:r>
           </a:p>
         </p:txBody>
@@ -4901,7 +4774,7 @@
     </p:spTree>
     <p:extLst>
       <p:ext uri="{BB962C8B-B14F-4D97-AF65-F5344CB8AC3E}">
-        <p14:creationId xmlns:p14="http://schemas.microsoft.com/office/powerpoint/2010/main" val="3763356387"/>
+        <p14:creationId xmlns:p14="http://schemas.microsoft.com/office/powerpoint/2010/main" val="1663294113"/>
       </p:ext>
     </p:extLst>
   </p:cSld>
@@ -4933,7 +4806,7 @@
           <p:cNvPr id="2" name="Title 1">
             <a:extLst>
               <a:ext uri="{FF2B5EF4-FFF2-40B4-BE49-F238E27FC236}">
-                <a16:creationId xmlns:a16="http://schemas.microsoft.com/office/drawing/2014/main" id="{DF1E9E96-098D-2109-F367-4B23C3D6D4BC}"/>
+                <a16:creationId xmlns:a16="http://schemas.microsoft.com/office/drawing/2014/main" id="{3C145E1F-C17E-EE2B-ECBD-FBF89BD6A0F6}"/>
               </a:ext>
             </a:extLst>
           </p:cNvPr>
@@ -4951,8 +4824,30 @@
           <a:p>
             <a:r>
               <a:rPr lang="en-IN" dirty="0"/>
-              <a:t>Ignoring files</a:t>
-            </a:r>
+              <a:t>File </a:t>
+            </a:r>
+            <a:r>
+              <a:rPr lang="en-IN" b="0" i="0" dirty="0">
+                <a:solidFill>
+                  <a:srgbClr val="000000"/>
+                </a:solidFill>
+                <a:effectLst/>
+                <a:latin typeface="Heebo" panose="020B0604020202020204" pitchFamily="2" charset="-79"/>
+                <a:cs typeface="Heebo" panose="020B0604020202020204" pitchFamily="2" charset="-79"/>
+              </a:rPr>
+              <a:t>Permission </a:t>
+            </a:r>
+            <a:br>
+              <a:rPr lang="en-IN" b="0" i="0" dirty="0">
+                <a:solidFill>
+                  <a:srgbClr val="000000"/>
+                </a:solidFill>
+                <a:effectLst/>
+                <a:latin typeface="Heebo" panose="020B0604020202020204" pitchFamily="2" charset="-79"/>
+                <a:cs typeface="Heebo" panose="020B0604020202020204" pitchFamily="2" charset="-79"/>
+              </a:rPr>
+            </a:br>
+            <a:endParaRPr lang="en-IN" dirty="0"/>
           </a:p>
         </p:txBody>
       </p:sp>
@@ -4961,7 +4856,7 @@
           <p:cNvPr id="3" name="Content Placeholder 2">
             <a:extLst>
               <a:ext uri="{FF2B5EF4-FFF2-40B4-BE49-F238E27FC236}">
-                <a16:creationId xmlns:a16="http://schemas.microsoft.com/office/drawing/2014/main" id="{61B86C33-ACBE-6E2B-8422-2EC5C6815CC2}"/>
+                <a16:creationId xmlns:a16="http://schemas.microsoft.com/office/drawing/2014/main" id="{D17B25E7-70A8-BE51-4A8A-EA1D69C0DE6F}"/>
               </a:ext>
             </a:extLst>
           </p:cNvPr>
@@ -4972,69 +4867,557 @@
             <p:ph idx="1"/>
           </p:nvPr>
         </p:nvSpPr>
-        <p:spPr/>
-        <p:txBody>
-          <a:bodyPr/>
-          <a:lstStyle/>
+        <p:spPr>
+          <a:xfrm>
+            <a:off x="1137146" y="1853754"/>
+            <a:ext cx="9603275" cy="3450613"/>
+          </a:xfrm>
+        </p:spPr>
+        <p:txBody>
+          <a:bodyPr/>
+          <a:lstStyle/>
+          <a:p>
+            <a:r>
+              <a:rPr lang="en-US" b="1" i="0" dirty="0">
+                <a:solidFill>
+                  <a:srgbClr val="222222"/>
+                </a:solidFill>
+                <a:effectLst/>
+                <a:latin typeface="Source Sans Pro" panose="020B0604020202020204" pitchFamily="34" charset="0"/>
+              </a:rPr>
+              <a:t>r</a:t>
+            </a:r>
+            <a:r>
+              <a:rPr lang="en-US" b="0" i="0" dirty="0">
+                <a:solidFill>
+                  <a:srgbClr val="222222"/>
+                </a:solidFill>
+                <a:effectLst/>
+                <a:latin typeface="Source Sans Pro" panose="020B0604020202020204" pitchFamily="34" charset="0"/>
+              </a:rPr>
+              <a:t> = read permission</a:t>
+            </a:r>
+            <a:br>
+              <a:rPr lang="en-US" dirty="0"/>
+            </a:br>
+            <a:r>
+              <a:rPr lang="en-US" b="1" i="0" dirty="0">
+                <a:solidFill>
+                  <a:srgbClr val="222222"/>
+                </a:solidFill>
+                <a:effectLst/>
+                <a:latin typeface="Source Sans Pro" panose="020B0604020202020204" pitchFamily="34" charset="0"/>
+              </a:rPr>
+              <a:t>w</a:t>
+            </a:r>
+            <a:r>
+              <a:rPr lang="en-US" b="0" i="0" dirty="0">
+                <a:solidFill>
+                  <a:srgbClr val="222222"/>
+                </a:solidFill>
+                <a:effectLst/>
+                <a:latin typeface="Source Sans Pro" panose="020B0604020202020204" pitchFamily="34" charset="0"/>
+              </a:rPr>
+              <a:t> = write permission</a:t>
+            </a:r>
+            <a:br>
+              <a:rPr lang="en-US" dirty="0"/>
+            </a:br>
+            <a:r>
+              <a:rPr lang="en-US" b="1" i="0" dirty="0">
+                <a:solidFill>
+                  <a:srgbClr val="222222"/>
+                </a:solidFill>
+                <a:effectLst/>
+                <a:latin typeface="Source Sans Pro" panose="020B0604020202020204" pitchFamily="34" charset="0"/>
+              </a:rPr>
+              <a:t>x</a:t>
+            </a:r>
+            <a:r>
+              <a:rPr lang="en-US" b="0" i="0" dirty="0">
+                <a:solidFill>
+                  <a:srgbClr val="222222"/>
+                </a:solidFill>
+                <a:effectLst/>
+                <a:latin typeface="Source Sans Pro" panose="020B0604020202020204" pitchFamily="34" charset="0"/>
+              </a:rPr>
+              <a:t> = execute permission</a:t>
+            </a:r>
+          </a:p>
+          <a:p>
+            <a:endParaRPr lang="en-IN" dirty="0"/>
+          </a:p>
           <a:p>
             <a:r>
               <a:rPr lang="en-IN" dirty="0"/>
-              <a:t>.</a:t>
+              <a:t>$</a:t>
             </a:r>
             <a:r>
               <a:rPr lang="en-IN" dirty="0" err="1"/>
-              <a:t>gitignore</a:t>
+              <a:t>chmod</a:t>
             </a:r>
             <a:r>
               <a:rPr lang="en-IN" dirty="0"/>
-              <a:t> file is used for ignoring the file for adding and </a:t>
+              <a:t> </a:t>
             </a:r>
             <a:r>
               <a:rPr lang="en-IN" dirty="0" err="1"/>
-              <a:t>commiting</a:t>
+              <a:t>u+rwx</a:t>
             </a:r>
             <a:endParaRPr lang="en-IN" dirty="0"/>
           </a:p>
           <a:p>
             <a:r>
               <a:rPr lang="en-IN" dirty="0"/>
-              <a:t>Ex.</a:t>
-            </a:r>
-          </a:p>
-          <a:p>
+              <a:t>$</a:t>
+            </a:r>
+            <a:r>
+              <a:rPr lang="en-IN" dirty="0" err="1"/>
+              <a:t>chmod</a:t>
+            </a:r>
             <a:r>
               <a:rPr lang="en-IN" dirty="0"/>
-              <a:t>*.</a:t>
+              <a:t> </a:t>
             </a:r>
             <a:r>
               <a:rPr lang="en-IN" dirty="0" err="1"/>
-              <a:t>css</a:t>
+              <a:t>a+r</a:t>
             </a:r>
             <a:endParaRPr lang="en-IN" dirty="0"/>
           </a:p>
           <a:p>
             <a:r>
               <a:rPr lang="en-IN" dirty="0"/>
-              <a:t>*</a:t>
+              <a:t>$</a:t>
             </a:r>
             <a:r>
               <a:rPr lang="en-IN" dirty="0" err="1"/>
-              <a:t>py</a:t>
+              <a:t>chmod</a:t>
+            </a:r>
+            <a:r>
+              <a:rPr lang="en-IN" dirty="0"/>
+              <a:t> </a:t>
+            </a:r>
+            <a:r>
+              <a:rPr lang="en-IN" dirty="0" err="1"/>
+              <a:t>ugo+x</a:t>
             </a:r>
             <a:endParaRPr lang="en-IN" dirty="0"/>
           </a:p>
-          <a:p>
-            <a:r>
-              <a:rPr lang="en-IN" dirty="0"/>
-              <a:t>*.html</a:t>
-            </a:r>
-          </a:p>
-        </p:txBody>
-      </p:sp>
+        </p:txBody>
+      </p:sp>
+      <p:graphicFrame>
+        <p:nvGraphicFramePr>
+          <p:cNvPr id="4" name="Table 3">
+            <a:extLst>
+              <a:ext uri="{FF2B5EF4-FFF2-40B4-BE49-F238E27FC236}">
+                <a16:creationId xmlns:a16="http://schemas.microsoft.com/office/drawing/2014/main" id="{90DF721C-D766-D2BC-AE1C-AC4AC7F2D688}"/>
+              </a:ext>
+            </a:extLst>
+          </p:cNvPr>
+          <p:cNvGraphicFramePr>
+            <a:graphicFrameLocks noGrp="1"/>
+          </p:cNvGraphicFramePr>
+          <p:nvPr>
+            <p:extLst>
+              <p:ext uri="{D42A27DB-BD31-4B8C-83A1-F6EECF244321}">
+                <p14:modId xmlns:p14="http://schemas.microsoft.com/office/powerpoint/2010/main" val="1553607916"/>
+              </p:ext>
+            </p:extLst>
+          </p:nvPr>
+        </p:nvGraphicFramePr>
+        <p:xfrm>
+          <a:off x="5035502" y="1994176"/>
+          <a:ext cx="5226646" cy="1584884"/>
+        </p:xfrm>
+        <a:graphic>
+          <a:graphicData uri="http://schemas.openxmlformats.org/drawingml/2006/table">
+            <a:tbl>
+              <a:tblPr/>
+              <a:tblGrid>
+                <a:gridCol w="2613323">
+                  <a:extLst>
+                    <a:ext uri="{9D8B030D-6E8A-4147-A177-3AD203B41FA5}">
+                      <a16:colId xmlns:a16="http://schemas.microsoft.com/office/drawing/2014/main" val="2676205086"/>
+                    </a:ext>
+                  </a:extLst>
+                </a:gridCol>
+                <a:gridCol w="2613323">
+                  <a:extLst>
+                    <a:ext uri="{9D8B030D-6E8A-4147-A177-3AD203B41FA5}">
+                      <a16:colId xmlns:a16="http://schemas.microsoft.com/office/drawing/2014/main" val="2425273384"/>
+                    </a:ext>
+                  </a:extLst>
+                </a:gridCol>
+              </a:tblGrid>
+              <a:tr h="487604">
+                <a:tc>
+                  <a:txBody>
+                    <a:bodyPr/>
+                    <a:lstStyle/>
+                    <a:p>
+                      <a:r>
+                        <a:rPr lang="en-IN">
+                          <a:effectLst/>
+                        </a:rPr>
+                        <a:t>u</a:t>
+                      </a:r>
+                    </a:p>
+                  </a:txBody>
+                  <a:tcPr anchor="ctr">
+                    <a:lnL>
+                      <a:noFill/>
+                    </a:lnL>
+                    <a:lnR>
+                      <a:noFill/>
+                    </a:lnR>
+                    <a:lnT w="6350" cap="flat" cmpd="sng" algn="ctr">
+                      <a:solidFill>
+                        <a:srgbClr val="EEEEEE"/>
+                      </a:solidFill>
+                      <a:prstDash val="solid"/>
+                      <a:round/>
+                      <a:headEnd type="none" w="med" len="med"/>
+                      <a:tailEnd type="none" w="med" len="med"/>
+                    </a:lnT>
+                    <a:lnB w="6350" cap="flat" cmpd="sng" algn="ctr">
+                      <a:solidFill>
+                        <a:srgbClr val="EEEEEE"/>
+                      </a:solidFill>
+                      <a:prstDash val="solid"/>
+                      <a:round/>
+                      <a:headEnd type="none" w="med" len="med"/>
+                      <a:tailEnd type="none" w="med" len="med"/>
+                    </a:lnB>
+                    <a:solidFill>
+                      <a:srgbClr val="F9F9F9"/>
+                    </a:solidFill>
+                  </a:tcPr>
+                </a:tc>
+                <a:tc>
+                  <a:txBody>
+                    <a:bodyPr/>
+                    <a:lstStyle/>
+                    <a:p>
+                      <a:r>
+                        <a:rPr lang="en-IN" dirty="0">
+                          <a:effectLst/>
+                        </a:rPr>
+                        <a:t>user/owner</a:t>
+                      </a:r>
+                    </a:p>
+                  </a:txBody>
+                  <a:tcPr anchor="ctr">
+                    <a:lnL>
+                      <a:noFill/>
+                    </a:lnL>
+                    <a:lnR>
+                      <a:noFill/>
+                    </a:lnR>
+                    <a:lnT w="6350" cap="flat" cmpd="sng" algn="ctr">
+                      <a:solidFill>
+                        <a:srgbClr val="EEEEEE"/>
+                      </a:solidFill>
+                      <a:prstDash val="solid"/>
+                      <a:round/>
+                      <a:headEnd type="none" w="med" len="med"/>
+                      <a:tailEnd type="none" w="med" len="med"/>
+                    </a:lnT>
+                    <a:lnB w="6350" cap="flat" cmpd="sng" algn="ctr">
+                      <a:solidFill>
+                        <a:srgbClr val="EEEEEE"/>
+                      </a:solidFill>
+                      <a:prstDash val="solid"/>
+                      <a:round/>
+                      <a:headEnd type="none" w="med" len="med"/>
+                      <a:tailEnd type="none" w="med" len="med"/>
+                    </a:lnB>
+                    <a:solidFill>
+                      <a:srgbClr val="F9F9F9"/>
+                    </a:solidFill>
+                  </a:tcPr>
+                </a:tc>
+                <a:extLst>
+                  <a:ext uri="{0D108BD9-81ED-4DB2-BD59-A6C34878D82A}">
+                    <a16:rowId xmlns:a16="http://schemas.microsoft.com/office/drawing/2014/main" val="4147925830"/>
+                  </a:ext>
+                </a:extLst>
+              </a:tr>
+              <a:tr h="0">
+                <a:tc>
+                  <a:txBody>
+                    <a:bodyPr/>
+                    <a:lstStyle/>
+                    <a:p>
+                      <a:r>
+                        <a:rPr lang="en-IN">
+                          <a:effectLst/>
+                        </a:rPr>
+                        <a:t>g</a:t>
+                      </a:r>
+                    </a:p>
+                  </a:txBody>
+                  <a:tcPr anchor="ctr">
+                    <a:lnL>
+                      <a:noFill/>
+                    </a:lnL>
+                    <a:lnR>
+                      <a:noFill/>
+                    </a:lnR>
+                    <a:lnT w="6350" cap="flat" cmpd="sng" algn="ctr">
+                      <a:solidFill>
+                        <a:srgbClr val="EEEEEE"/>
+                      </a:solidFill>
+                      <a:prstDash val="solid"/>
+                      <a:round/>
+                      <a:headEnd type="none" w="med" len="med"/>
+                      <a:tailEnd type="none" w="med" len="med"/>
+                    </a:lnT>
+                    <a:lnB w="6350" cap="flat" cmpd="sng" algn="ctr">
+                      <a:solidFill>
+                        <a:srgbClr val="EEEEEE"/>
+                      </a:solidFill>
+                      <a:prstDash val="solid"/>
+                      <a:round/>
+                      <a:headEnd type="none" w="med" len="med"/>
+                      <a:tailEnd type="none" w="med" len="med"/>
+                    </a:lnB>
+                    <a:solidFill>
+                      <a:srgbClr val="FFFFFF"/>
+                    </a:solidFill>
+                  </a:tcPr>
+                </a:tc>
+                <a:tc>
+                  <a:txBody>
+                    <a:bodyPr/>
+                    <a:lstStyle/>
+                    <a:p>
+                      <a:r>
+                        <a:rPr lang="en-IN">
+                          <a:effectLst/>
+                        </a:rPr>
+                        <a:t>group</a:t>
+                      </a:r>
+                    </a:p>
+                  </a:txBody>
+                  <a:tcPr anchor="ctr">
+                    <a:lnL>
+                      <a:noFill/>
+                    </a:lnL>
+                    <a:lnR>
+                      <a:noFill/>
+                    </a:lnR>
+                    <a:lnT w="6350" cap="flat" cmpd="sng" algn="ctr">
+                      <a:solidFill>
+                        <a:srgbClr val="EEEEEE"/>
+                      </a:solidFill>
+                      <a:prstDash val="solid"/>
+                      <a:round/>
+                      <a:headEnd type="none" w="med" len="med"/>
+                      <a:tailEnd type="none" w="med" len="med"/>
+                    </a:lnT>
+                    <a:lnB w="6350" cap="flat" cmpd="sng" algn="ctr">
+                      <a:solidFill>
+                        <a:srgbClr val="EEEEEE"/>
+                      </a:solidFill>
+                      <a:prstDash val="solid"/>
+                      <a:round/>
+                      <a:headEnd type="none" w="med" len="med"/>
+                      <a:tailEnd type="none" w="med" len="med"/>
+                    </a:lnB>
+                    <a:solidFill>
+                      <a:srgbClr val="FFFFFF"/>
+                    </a:solidFill>
+                  </a:tcPr>
+                </a:tc>
+                <a:extLst>
+                  <a:ext uri="{0D108BD9-81ED-4DB2-BD59-A6C34878D82A}">
+                    <a16:rowId xmlns:a16="http://schemas.microsoft.com/office/drawing/2014/main" val="3266549097"/>
+                  </a:ext>
+                </a:extLst>
+              </a:tr>
+              <a:tr h="0">
+                <a:tc>
+                  <a:txBody>
+                    <a:bodyPr/>
+                    <a:lstStyle/>
+                    <a:p>
+                      <a:r>
+                        <a:rPr lang="en-IN">
+                          <a:effectLst/>
+                        </a:rPr>
+                        <a:t>o</a:t>
+                      </a:r>
+                    </a:p>
+                  </a:txBody>
+                  <a:tcPr anchor="ctr">
+                    <a:lnL>
+                      <a:noFill/>
+                    </a:lnL>
+                    <a:lnR>
+                      <a:noFill/>
+                    </a:lnR>
+                    <a:lnT w="6350" cap="flat" cmpd="sng" algn="ctr">
+                      <a:solidFill>
+                        <a:srgbClr val="EEEEEE"/>
+                      </a:solidFill>
+                      <a:prstDash val="solid"/>
+                      <a:round/>
+                      <a:headEnd type="none" w="med" len="med"/>
+                      <a:tailEnd type="none" w="med" len="med"/>
+                    </a:lnT>
+                    <a:lnB w="6350" cap="flat" cmpd="sng" algn="ctr">
+                      <a:solidFill>
+                        <a:srgbClr val="EEEEEE"/>
+                      </a:solidFill>
+                      <a:prstDash val="solid"/>
+                      <a:round/>
+                      <a:headEnd type="none" w="med" len="med"/>
+                      <a:tailEnd type="none" w="med" len="med"/>
+                    </a:lnB>
+                    <a:solidFill>
+                      <a:srgbClr val="F9F9F9"/>
+                    </a:solidFill>
+                  </a:tcPr>
+                </a:tc>
+                <a:tc>
+                  <a:txBody>
+                    <a:bodyPr/>
+                    <a:lstStyle/>
+                    <a:p>
+                      <a:r>
+                        <a:rPr lang="en-IN">
+                          <a:effectLst/>
+                        </a:rPr>
+                        <a:t>other</a:t>
+                      </a:r>
+                    </a:p>
+                  </a:txBody>
+                  <a:tcPr anchor="ctr">
+                    <a:lnL>
+                      <a:noFill/>
+                    </a:lnL>
+                    <a:lnR>
+                      <a:noFill/>
+                    </a:lnR>
+                    <a:lnT w="6350" cap="flat" cmpd="sng" algn="ctr">
+                      <a:solidFill>
+                        <a:srgbClr val="EEEEEE"/>
+                      </a:solidFill>
+                      <a:prstDash val="solid"/>
+                      <a:round/>
+                      <a:headEnd type="none" w="med" len="med"/>
+                      <a:tailEnd type="none" w="med" len="med"/>
+                    </a:lnT>
+                    <a:lnB w="6350" cap="flat" cmpd="sng" algn="ctr">
+                      <a:solidFill>
+                        <a:srgbClr val="EEEEEE"/>
+                      </a:solidFill>
+                      <a:prstDash val="solid"/>
+                      <a:round/>
+                      <a:headEnd type="none" w="med" len="med"/>
+                      <a:tailEnd type="none" w="med" len="med"/>
+                    </a:lnB>
+                    <a:solidFill>
+                      <a:srgbClr val="F9F9F9"/>
+                    </a:solidFill>
+                  </a:tcPr>
+                </a:tc>
+                <a:extLst>
+                  <a:ext uri="{0D108BD9-81ED-4DB2-BD59-A6C34878D82A}">
+                    <a16:rowId xmlns:a16="http://schemas.microsoft.com/office/drawing/2014/main" val="1729854524"/>
+                  </a:ext>
+                </a:extLst>
+              </a:tr>
+              <a:tr h="0">
+                <a:tc>
+                  <a:txBody>
+                    <a:bodyPr/>
+                    <a:lstStyle/>
+                    <a:p>
+                      <a:r>
+                        <a:rPr lang="en-IN">
+                          <a:effectLst/>
+                        </a:rPr>
+                        <a:t>a</a:t>
+                      </a:r>
+                    </a:p>
+                  </a:txBody>
+                  <a:tcPr anchor="ctr">
+                    <a:lnL>
+                      <a:noFill/>
+                    </a:lnL>
+                    <a:lnR>
+                      <a:noFill/>
+                    </a:lnR>
+                    <a:lnT w="6350" cap="flat" cmpd="sng" algn="ctr">
+                      <a:solidFill>
+                        <a:srgbClr val="EEEEEE"/>
+                      </a:solidFill>
+                      <a:prstDash val="solid"/>
+                      <a:round/>
+                      <a:headEnd type="none" w="med" len="med"/>
+                      <a:tailEnd type="none" w="med" len="med"/>
+                    </a:lnT>
+                    <a:lnB>
+                      <a:noFill/>
+                    </a:lnB>
+                    <a:solidFill>
+                      <a:srgbClr val="FFFFFF"/>
+                    </a:solidFill>
+                  </a:tcPr>
+                </a:tc>
+                <a:tc>
+                  <a:txBody>
+                    <a:bodyPr/>
+                    <a:lstStyle/>
+                    <a:p>
+                      <a:r>
+                        <a:rPr lang="en-IN" dirty="0">
+                          <a:effectLst/>
+                        </a:rPr>
+                        <a:t>all</a:t>
+                      </a:r>
+                    </a:p>
+                  </a:txBody>
+                  <a:tcPr anchor="ctr">
+                    <a:lnL>
+                      <a:noFill/>
+                    </a:lnL>
+                    <a:lnR>
+                      <a:noFill/>
+                    </a:lnR>
+                    <a:lnT w="6350" cap="flat" cmpd="sng" algn="ctr">
+                      <a:solidFill>
+                        <a:srgbClr val="EEEEEE"/>
+                      </a:solidFill>
+                      <a:prstDash val="solid"/>
+                      <a:round/>
+                      <a:headEnd type="none" w="med" len="med"/>
+                      <a:tailEnd type="none" w="med" len="med"/>
+                    </a:lnT>
+                    <a:lnB>
+                      <a:noFill/>
+                    </a:lnB>
+                    <a:solidFill>
+                      <a:srgbClr val="FFFFFF"/>
+                    </a:solidFill>
+                  </a:tcPr>
+                </a:tc>
+                <a:extLst>
+                  <a:ext uri="{0D108BD9-81ED-4DB2-BD59-A6C34878D82A}">
+                    <a16:rowId xmlns:a16="http://schemas.microsoft.com/office/drawing/2014/main" val="413066653"/>
+                  </a:ext>
+                </a:extLst>
+              </a:tr>
+            </a:tbl>
+          </a:graphicData>
+        </a:graphic>
+      </p:graphicFrame>
     </p:spTree>
     <p:extLst>
       <p:ext uri="{BB962C8B-B14F-4D97-AF65-F5344CB8AC3E}">
-        <p14:creationId xmlns:p14="http://schemas.microsoft.com/office/powerpoint/2010/main" val="1582429338"/>
+        <p14:creationId xmlns:p14="http://schemas.microsoft.com/office/powerpoint/2010/main" val="411265802"/>
       </p:ext>
     </p:extLst>
   </p:cSld>
@@ -5066,7 +5449,7 @@
           <p:cNvPr id="2" name="Title 1">
             <a:extLst>
               <a:ext uri="{FF2B5EF4-FFF2-40B4-BE49-F238E27FC236}">
-                <a16:creationId xmlns:a16="http://schemas.microsoft.com/office/drawing/2014/main" id="{C08F23C0-FEDF-A1D6-7E4C-7876A75411B2}"/>
+                <a16:creationId xmlns:a16="http://schemas.microsoft.com/office/drawing/2014/main" id="{982B8EB4-A20B-BFF2-F28A-ADC4C2C3951A}"/>
               </a:ext>
             </a:extLst>
           </p:cNvPr>
@@ -5083,93 +5466,81 @@
           <a:lstStyle/>
           <a:p>
             <a:r>
-              <a:rPr lang="en-IN" dirty="0"/>
-              <a:t>Other </a:t>
-            </a:r>
-            <a:r>
-              <a:rPr lang="en-IN" dirty="0" err="1"/>
-              <a:t>helpfull</a:t>
-            </a:r>
+              <a:rPr lang="en-IN" b="1" dirty="0">
+                <a:latin typeface="Bahnschrift Condensed" panose="020B0502040204020203" pitchFamily="34" charset="0"/>
+              </a:rPr>
+              <a:t>disk</a:t>
+            </a:r>
+            <a:r>
+              <a:rPr lang="en-IN" b="1" dirty="0"/>
+              <a:t> </a:t>
+            </a:r>
+            <a:r>
+              <a:rPr lang="en-IN" b="1" i="0" dirty="0">
+                <a:solidFill>
+                  <a:srgbClr val="0F0F0F"/>
+                </a:solidFill>
+                <a:effectLst/>
+                <a:latin typeface="YouTube Sans"/>
+              </a:rPr>
+              <a:t> </a:t>
+            </a:r>
+            <a:r>
+              <a:rPr lang="en-IN" i="0" dirty="0">
+                <a:solidFill>
+                  <a:srgbClr val="0F0F0F"/>
+                </a:solidFill>
+                <a:effectLst/>
+                <a:latin typeface="Bahnschrift Condensed" panose="020B0502040204020203" pitchFamily="34" charset="0"/>
+              </a:rPr>
+              <a:t>partitions</a:t>
+            </a:r>
+            <a:br>
+              <a:rPr lang="en-IN" i="0" dirty="0">
+                <a:solidFill>
+                  <a:srgbClr val="0F0F0F"/>
+                </a:solidFill>
+                <a:effectLst/>
+                <a:latin typeface="YouTube Sans"/>
+              </a:rPr>
+            </a:br>
             <a:endParaRPr lang="en-IN" dirty="0"/>
           </a:p>
         </p:txBody>
       </p:sp>
-      <p:sp>
-        <p:nvSpPr>
-          <p:cNvPr id="3" name="Content Placeholder 2">
+      <p:pic>
+        <p:nvPicPr>
+          <p:cNvPr id="5" name="Content Placeholder 4">
             <a:extLst>
               <a:ext uri="{FF2B5EF4-FFF2-40B4-BE49-F238E27FC236}">
-                <a16:creationId xmlns:a16="http://schemas.microsoft.com/office/drawing/2014/main" id="{5BF671A5-DB1C-BD18-2406-3EABED63CFF9}"/>
+                <a16:creationId xmlns:a16="http://schemas.microsoft.com/office/drawing/2014/main" id="{5580403F-4E3B-9417-B421-A17479798D31}"/>
               </a:ext>
             </a:extLst>
           </p:cNvPr>
-          <p:cNvSpPr>
-            <a:spLocks noGrp="1"/>
-          </p:cNvSpPr>
+          <p:cNvPicPr>
+            <a:picLocks noGrp="1" noChangeAspect="1"/>
+          </p:cNvPicPr>
           <p:nvPr>
             <p:ph idx="1"/>
           </p:nvPr>
-        </p:nvSpPr>
-        <p:spPr/>
-        <p:txBody>
-          <a:bodyPr/>
-          <a:lstStyle/>
-          <a:p>
-            <a:r>
-              <a:rPr lang="en-IN" dirty="0"/>
-              <a:t>Git status</a:t>
-            </a:r>
-          </a:p>
-          <a:p>
-            <a:r>
-              <a:rPr lang="en-IN" dirty="0"/>
-              <a:t>Git log</a:t>
-            </a:r>
-          </a:p>
-          <a:p>
-            <a:r>
-              <a:rPr lang="en-IN" dirty="0"/>
-              <a:t>Git log –</a:t>
-            </a:r>
-            <a:r>
-              <a:rPr lang="en-IN" dirty="0" err="1"/>
-              <a:t>oneline</a:t>
-            </a:r>
-            <a:endParaRPr lang="en-IN" dirty="0"/>
-          </a:p>
-          <a:p>
-            <a:r>
-              <a:rPr lang="en-IN" dirty="0"/>
-              <a:t>Git remote show</a:t>
-            </a:r>
-          </a:p>
-          <a:p>
-            <a:r>
-              <a:rPr lang="en-IN" dirty="0"/>
-              <a:t>Git remote rm origin</a:t>
-            </a:r>
-          </a:p>
-          <a:p>
-            <a:r>
-              <a:rPr lang="en-IN" dirty="0"/>
-              <a:t>Git revert &lt;commit Id&gt;</a:t>
-            </a:r>
-          </a:p>
-          <a:p>
-            <a:r>
-              <a:rPr lang="en-IN" dirty="0"/>
-              <a:t>Git reset –hard</a:t>
-            </a:r>
-          </a:p>
-          <a:p>
-            <a:endParaRPr lang="en-IN" dirty="0"/>
-          </a:p>
-        </p:txBody>
-      </p:sp>
+        </p:nvPicPr>
+        <p:blipFill>
+          <a:blip r:embed="rId2"/>
+          <a:stretch>
+            <a:fillRect/>
+          </a:stretch>
+        </p:blipFill>
+        <p:spPr>
+          <a:xfrm>
+            <a:off x="2932834" y="2016125"/>
+            <a:ext cx="6640657" cy="3449638"/>
+          </a:xfrm>
+        </p:spPr>
+      </p:pic>
     </p:spTree>
     <p:extLst>
       <p:ext uri="{BB962C8B-B14F-4D97-AF65-F5344CB8AC3E}">
-        <p14:creationId xmlns:p14="http://schemas.microsoft.com/office/powerpoint/2010/main" val="3000490088"/>
+        <p14:creationId xmlns:p14="http://schemas.microsoft.com/office/powerpoint/2010/main" val="1694945994"/>
       </p:ext>
     </p:extLst>
   </p:cSld>
